--- a/MSA Assessment Deck.pptx
+++ b/MSA Assessment Deck.pptx
@@ -206,7 +206,7 @@
           <a:p>
             <a:fld id="{9FB5EA18-F66C-4D75-8C80-0C1A1E868DE6}" type="datetimeFigureOut">
               <a:rPr lang="en-US" smtClean="0"/>
-              <a:t>11/19/2016</a:t>
+              <a:t>11/24/2016</a:t>
             </a:fld>
             <a:endParaRPr lang="en-US"/>
           </a:p>
@@ -1427,7 +1427,7 @@
           <a:p>
             <a:fld id="{4BFC623A-4806-45FB-9E07-894B153158FF}" type="datetimeFigureOut">
               <a:rPr lang="en-US" smtClean="0"/>
-              <a:t>11/19/2016</a:t>
+              <a:t>11/24/2016</a:t>
             </a:fld>
             <a:endParaRPr lang="en-US"/>
           </a:p>
@@ -1633,7 +1633,7 @@
           <a:p>
             <a:fld id="{4BFC623A-4806-45FB-9E07-894B153158FF}" type="datetimeFigureOut">
               <a:rPr lang="en-US" smtClean="0"/>
-              <a:t>11/19/2016</a:t>
+              <a:t>11/24/2016</a:t>
             </a:fld>
             <a:endParaRPr lang="en-US"/>
           </a:p>
@@ -1883,7 +1883,7 @@
           <a:p>
             <a:fld id="{4BFC623A-4806-45FB-9E07-894B153158FF}" type="datetimeFigureOut">
               <a:rPr lang="en-US" smtClean="0"/>
-              <a:t>11/19/2016</a:t>
+              <a:t>11/24/2016</a:t>
             </a:fld>
             <a:endParaRPr lang="en-US"/>
           </a:p>
@@ -2119,7 +2119,7 @@
           <a:p>
             <a:fld id="{4BFC623A-4806-45FB-9E07-894B153158FF}" type="datetimeFigureOut">
               <a:rPr lang="en-US" smtClean="0"/>
-              <a:t>11/19/2016</a:t>
+              <a:t>11/24/2016</a:t>
             </a:fld>
             <a:endParaRPr lang="en-US"/>
           </a:p>
@@ -2236,7 +2236,7 @@
           <a:p>
             <a:fld id="{4BFC623A-4806-45FB-9E07-894B153158FF}" type="datetimeFigureOut">
               <a:rPr lang="en-US" smtClean="0"/>
-              <a:t>11/19/2016</a:t>
+              <a:t>11/24/2016</a:t>
             </a:fld>
             <a:endParaRPr lang="en-US"/>
           </a:p>
@@ -2341,7 +2341,7 @@
           <a:p>
             <a:fld id="{4BFC623A-4806-45FB-9E07-894B153158FF}" type="datetimeFigureOut">
               <a:rPr lang="en-US" smtClean="0"/>
-              <a:t>11/19/2016</a:t>
+              <a:t>11/24/2016</a:t>
             </a:fld>
             <a:endParaRPr lang="en-US"/>
           </a:p>
@@ -2626,7 +2626,7 @@
           <a:p>
             <a:fld id="{4BFC623A-4806-45FB-9E07-894B153158FF}" type="datetimeFigureOut">
               <a:rPr lang="en-US" smtClean="0"/>
-              <a:t>11/19/2016</a:t>
+              <a:t>11/24/2016</a:t>
             </a:fld>
             <a:endParaRPr lang="en-US"/>
           </a:p>
@@ -2857,7 +2857,7 @@
           <a:p>
             <a:fld id="{4BFC623A-4806-45FB-9E07-894B153158FF}" type="datetimeFigureOut">
               <a:rPr lang="en-US" smtClean="0"/>
-              <a:t>11/19/2016</a:t>
+              <a:t>11/24/2016</a:t>
             </a:fld>
             <a:endParaRPr lang="en-US"/>
           </a:p>
@@ -3448,22 +3448,56 @@
           <a:p>
             <a:pPr algn="l"/>
             <a:r>
-              <a:rPr lang="en-US" dirty="0">
+              <a:rPr lang="en-US" dirty="0" smtClean="0">
                 <a:latin typeface="Segoe UI Light" panose="020B0502040204020203" pitchFamily="34" charset="0"/>
                 <a:cs typeface="Segoe UI Light" panose="020B0502040204020203" pitchFamily="34" charset="0"/>
               </a:rPr>
-              <a:t>&lt;Your Name&gt;</a:t>
-            </a:r>
-          </a:p>
-          <a:p>
-            <a:pPr algn="l"/>
-            <a:r>
-              <a:rPr lang="en-US" dirty="0">
+              <a:t>&lt;</a:t>
+            </a:r>
+            <a:r>
+              <a:rPr lang="en-US" dirty="0" smtClean="0"/>
+              <a:t>Hotanya Ragtah</a:t>
+            </a:r>
+            <a:r>
+              <a:rPr lang="en-US" dirty="0" smtClean="0">
                 <a:latin typeface="Segoe UI Light" panose="020B0502040204020203" pitchFamily="34" charset="0"/>
                 <a:cs typeface="Segoe UI Light" panose="020B0502040204020203" pitchFamily="34" charset="0"/>
               </a:rPr>
-              <a:t>&lt;MSA Email Address&gt;</a:t>
-            </a:r>
+              <a:t>&gt;</a:t>
+            </a:r>
+            <a:endParaRPr lang="en-US" dirty="0">
+              <a:latin typeface="Segoe UI Light" panose="020B0502040204020203" pitchFamily="34" charset="0"/>
+              <a:cs typeface="Segoe UI Light" panose="020B0502040204020203" pitchFamily="34" charset="0"/>
+            </a:endParaRPr>
+          </a:p>
+          <a:p>
+            <a:pPr algn="l"/>
+            <a:r>
+              <a:rPr lang="en-US" dirty="0" smtClean="0">
+                <a:latin typeface="Segoe UI Light" panose="020B0502040204020203" pitchFamily="34" charset="0"/>
+                <a:cs typeface="Segoe UI Light" panose="020B0502040204020203" pitchFamily="34" charset="0"/>
+              </a:rPr>
+              <a:t>&lt;</a:t>
+            </a:r>
+            <a:r>
+              <a:rPr lang="en-US" dirty="0" smtClean="0"/>
+              <a:t>h</a:t>
+            </a:r>
+            <a:r>
+              <a:rPr lang="en-US" dirty="0" smtClean="0"/>
+              <a:t>otanya_nz@hotmail.com</a:t>
+            </a:r>
+            <a:r>
+              <a:rPr lang="en-US" dirty="0" smtClean="0">
+                <a:latin typeface="Segoe UI Light" panose="020B0502040204020203" pitchFamily="34" charset="0"/>
+                <a:cs typeface="Segoe UI Light" panose="020B0502040204020203" pitchFamily="34" charset="0"/>
+              </a:rPr>
+              <a:t>&gt;</a:t>
+            </a:r>
+            <a:endParaRPr lang="en-US" dirty="0">
+              <a:latin typeface="Segoe UI Light" panose="020B0502040204020203" pitchFamily="34" charset="0"/>
+              <a:cs typeface="Segoe UI Light" panose="020B0502040204020203" pitchFamily="34" charset="0"/>
+            </a:endParaRPr>
           </a:p>
         </p:txBody>
       </p:sp>

--- a/MSA Assessment Deck.pptx
+++ b/MSA Assessment Deck.pptx
@@ -5,19 +5,18 @@
     <p:sldMasterId id="2147483648" r:id="rId1"/>
   </p:sldMasterIdLst>
   <p:notesMasterIdLst>
-    <p:notesMasterId r:id="rId12"/>
+    <p:notesMasterId r:id="rId11"/>
   </p:notesMasterIdLst>
   <p:sldIdLst>
-    <p:sldId id="266" r:id="rId2"/>
-    <p:sldId id="256" r:id="rId3"/>
-    <p:sldId id="257" r:id="rId4"/>
-    <p:sldId id="263" r:id="rId5"/>
-    <p:sldId id="258" r:id="rId6"/>
-    <p:sldId id="265" r:id="rId7"/>
-    <p:sldId id="260" r:id="rId8"/>
-    <p:sldId id="261" r:id="rId9"/>
-    <p:sldId id="264" r:id="rId10"/>
-    <p:sldId id="262" r:id="rId11"/>
+    <p:sldId id="256" r:id="rId2"/>
+    <p:sldId id="257" r:id="rId3"/>
+    <p:sldId id="263" r:id="rId4"/>
+    <p:sldId id="258" r:id="rId5"/>
+    <p:sldId id="265" r:id="rId6"/>
+    <p:sldId id="260" r:id="rId7"/>
+    <p:sldId id="264" r:id="rId8"/>
+    <p:sldId id="262" r:id="rId9"/>
+    <p:sldId id="266" r:id="rId10"/>
   </p:sldIdLst>
   <p:sldSz cx="12192000" cy="6858000"/>
   <p:notesSz cx="6858000" cy="9144000"/>
@@ -206,7 +205,7 @@
           <a:p>
             <a:fld id="{9FB5EA18-F66C-4D75-8C80-0C1A1E868DE6}" type="datetimeFigureOut">
               <a:rPr lang="en-US" smtClean="0"/>
-              <a:t>11/24/2016</a:t>
+              <a:t>11/25/2016</a:t>
             </a:fld>
             <a:endParaRPr lang="en-US"/>
           </a:p>
@@ -546,7 +545,7 @@
           <a:p>
             <a:fld id="{A008DDF4-253B-4E36-BE28-46B8E6426B7B}" type="slidenum">
               <a:rPr lang="en-US" smtClean="0"/>
-              <a:t>2</a:t>
+              <a:t>1</a:t>
             </a:fld>
             <a:endParaRPr lang="en-US"/>
           </a:p>
@@ -644,7 +643,7 @@
           <a:p>
             <a:fld id="{A008DDF4-253B-4E36-BE28-46B8E6426B7B}" type="slidenum">
               <a:rPr lang="en-US" smtClean="0"/>
-              <a:t>3</a:t>
+              <a:t>2</a:t>
             </a:fld>
             <a:endParaRPr lang="en-US"/>
           </a:p>
@@ -731,7 +730,7 @@
           <a:p>
             <a:fld id="{A008DDF4-253B-4E36-BE28-46B8E6426B7B}" type="slidenum">
               <a:rPr lang="en-US" smtClean="0"/>
-              <a:t>4</a:t>
+              <a:t>3</a:t>
             </a:fld>
             <a:endParaRPr lang="en-US"/>
           </a:p>
@@ -818,7 +817,7 @@
           <a:p>
             <a:fld id="{A008DDF4-253B-4E36-BE28-46B8E6426B7B}" type="slidenum">
               <a:rPr lang="en-US" smtClean="0"/>
-              <a:t>5</a:t>
+              <a:t>4</a:t>
             </a:fld>
             <a:endParaRPr lang="en-US"/>
           </a:p>
@@ -910,7 +909,7 @@
           <a:p>
             <a:fld id="{A008DDF4-253B-4E36-BE28-46B8E6426B7B}" type="slidenum">
               <a:rPr lang="en-US" smtClean="0"/>
-              <a:t>6</a:t>
+              <a:t>5</a:t>
             </a:fld>
             <a:endParaRPr lang="en-US"/>
           </a:p>
@@ -997,7 +996,7 @@
           <a:p>
             <a:fld id="{A008DDF4-253B-4E36-BE28-46B8E6426B7B}" type="slidenum">
               <a:rPr lang="en-US" smtClean="0"/>
-              <a:t>7</a:t>
+              <a:t>6</a:t>
             </a:fld>
             <a:endParaRPr lang="en-US"/>
           </a:p>
@@ -1066,7 +1065,7 @@
             </a:r>
             <a:r>
               <a:rPr lang="en-US" baseline="0" dirty="0"/>
-              <a:t> features…</a:t>
+              <a:t> considerations…</a:t>
             </a:r>
             <a:endParaRPr lang="en-US" dirty="0"/>
           </a:p>
@@ -1089,7 +1088,7 @@
           <a:p>
             <a:fld id="{A008DDF4-253B-4E36-BE28-46B8E6426B7B}" type="slidenum">
               <a:rPr lang="en-US" smtClean="0"/>
-              <a:t>8</a:t>
+              <a:t>7</a:t>
             </a:fld>
             <a:endParaRPr lang="en-US"/>
           </a:p>
@@ -1098,7 +1097,7 @@
     </p:spTree>
     <p:extLst>
       <p:ext uri="{BB962C8B-B14F-4D97-AF65-F5344CB8AC3E}">
-        <p14:creationId xmlns:p14="http://schemas.microsoft.com/office/powerpoint/2010/main" val="2146667125"/>
+        <p14:creationId xmlns:p14="http://schemas.microsoft.com/office/powerpoint/2010/main" val="65477906"/>
       </p:ext>
     </p:extLst>
   </p:cSld>
@@ -1154,11 +1153,11 @@
           <a:p>
             <a:r>
               <a:rPr lang="en-US" dirty="0"/>
-              <a:t>Advanced</a:t>
+              <a:t>Any final</a:t>
             </a:r>
             <a:r>
               <a:rPr lang="en-US" baseline="0" dirty="0"/>
-              <a:t> considerations…</a:t>
+              <a:t> things you want to tell us</a:t>
             </a:r>
             <a:endParaRPr lang="en-US" dirty="0"/>
           </a:p>
@@ -1181,99 +1180,7 @@
           <a:p>
             <a:fld id="{A008DDF4-253B-4E36-BE28-46B8E6426B7B}" type="slidenum">
               <a:rPr lang="en-US" smtClean="0"/>
-              <a:t>9</a:t>
-            </a:fld>
-            <a:endParaRPr lang="en-US"/>
-          </a:p>
-        </p:txBody>
-      </p:sp>
-    </p:spTree>
-    <p:extLst>
-      <p:ext uri="{BB962C8B-B14F-4D97-AF65-F5344CB8AC3E}">
-        <p14:creationId xmlns:p14="http://schemas.microsoft.com/office/powerpoint/2010/main" val="65477906"/>
-      </p:ext>
-    </p:extLst>
-  </p:cSld>
-  <p:clrMapOvr>
-    <a:masterClrMapping/>
-  </p:clrMapOvr>
-</p:notes>
-</file>
-
-<file path=ppt/notesSlides/notesSlide9.xml><?xml version="1.0" encoding="utf-8"?>
-<p:notes xmlns:a="http://schemas.openxmlformats.org/drawingml/2006/main" xmlns:r="http://schemas.openxmlformats.org/officeDocument/2006/relationships" xmlns:p="http://schemas.openxmlformats.org/presentationml/2006/main">
-  <p:cSld>
-    <p:spTree>
-      <p:nvGrpSpPr>
-        <p:cNvPr id="1" name=""/>
-        <p:cNvGrpSpPr/>
-        <p:nvPr/>
-      </p:nvGrpSpPr>
-      <p:grpSpPr>
-        <a:xfrm>
-          <a:off x="0" y="0"/>
-          <a:ext cx="0" cy="0"/>
-          <a:chOff x="0" y="0"/>
-          <a:chExt cx="0" cy="0"/>
-        </a:xfrm>
-      </p:grpSpPr>
-      <p:sp>
-        <p:nvSpPr>
-          <p:cNvPr id="2" name="Slide Image Placeholder 1"/>
-          <p:cNvSpPr>
-            <a:spLocks noGrp="1" noRot="1" noChangeAspect="1"/>
-          </p:cNvSpPr>
-          <p:nvPr>
-            <p:ph type="sldImg"/>
-          </p:nvPr>
-        </p:nvSpPr>
-        <p:spPr/>
-      </p:sp>
-      <p:sp>
-        <p:nvSpPr>
-          <p:cNvPr id="3" name="Notes Placeholder 2"/>
-          <p:cNvSpPr>
-            <a:spLocks noGrp="1"/>
-          </p:cNvSpPr>
-          <p:nvPr>
-            <p:ph type="body" idx="1"/>
-          </p:nvPr>
-        </p:nvSpPr>
-        <p:spPr/>
-        <p:txBody>
-          <a:bodyPr/>
-          <a:lstStyle/>
-          <a:p>
-            <a:r>
-              <a:rPr lang="en-US" dirty="0"/>
-              <a:t>Any final</a:t>
-            </a:r>
-            <a:r>
-              <a:rPr lang="en-US" baseline="0" dirty="0"/>
-              <a:t> things you want to tell us</a:t>
-            </a:r>
-            <a:endParaRPr lang="en-US" dirty="0"/>
-          </a:p>
-        </p:txBody>
-      </p:sp>
-      <p:sp>
-        <p:nvSpPr>
-          <p:cNvPr id="4" name="Slide Number Placeholder 3"/>
-          <p:cNvSpPr>
-            <a:spLocks noGrp="1"/>
-          </p:cNvSpPr>
-          <p:nvPr>
-            <p:ph type="sldNum" sz="quarter" idx="10"/>
-          </p:nvPr>
-        </p:nvSpPr>
-        <p:spPr/>
-        <p:txBody>
-          <a:bodyPr/>
-          <a:lstStyle/>
-          <a:p>
-            <a:fld id="{A008DDF4-253B-4E36-BE28-46B8E6426B7B}" type="slidenum">
-              <a:rPr lang="en-US" smtClean="0"/>
-              <a:t>10</a:t>
+              <a:t>8</a:t>
             </a:fld>
             <a:endParaRPr lang="en-US"/>
           </a:p>
@@ -1427,7 +1334,7 @@
           <a:p>
             <a:fld id="{4BFC623A-4806-45FB-9E07-894B153158FF}" type="datetimeFigureOut">
               <a:rPr lang="en-US" smtClean="0"/>
-              <a:t>11/24/2016</a:t>
+              <a:t>11/25/2016</a:t>
             </a:fld>
             <a:endParaRPr lang="en-US"/>
           </a:p>
@@ -1633,7 +1540,7 @@
           <a:p>
             <a:fld id="{4BFC623A-4806-45FB-9E07-894B153158FF}" type="datetimeFigureOut">
               <a:rPr lang="en-US" smtClean="0"/>
-              <a:t>11/24/2016</a:t>
+              <a:t>11/25/2016</a:t>
             </a:fld>
             <a:endParaRPr lang="en-US"/>
           </a:p>
@@ -1883,7 +1790,7 @@
           <a:p>
             <a:fld id="{4BFC623A-4806-45FB-9E07-894B153158FF}" type="datetimeFigureOut">
               <a:rPr lang="en-US" smtClean="0"/>
-              <a:t>11/24/2016</a:t>
+              <a:t>11/25/2016</a:t>
             </a:fld>
             <a:endParaRPr lang="en-US"/>
           </a:p>
@@ -2119,7 +2026,7 @@
           <a:p>
             <a:fld id="{4BFC623A-4806-45FB-9E07-894B153158FF}" type="datetimeFigureOut">
               <a:rPr lang="en-US" smtClean="0"/>
-              <a:t>11/24/2016</a:t>
+              <a:t>11/25/2016</a:t>
             </a:fld>
             <a:endParaRPr lang="en-US"/>
           </a:p>
@@ -2236,7 +2143,7 @@
           <a:p>
             <a:fld id="{4BFC623A-4806-45FB-9E07-894B153158FF}" type="datetimeFigureOut">
               <a:rPr lang="en-US" smtClean="0"/>
-              <a:t>11/24/2016</a:t>
+              <a:t>11/25/2016</a:t>
             </a:fld>
             <a:endParaRPr lang="en-US"/>
           </a:p>
@@ -2341,7 +2248,7 @@
           <a:p>
             <a:fld id="{4BFC623A-4806-45FB-9E07-894B153158FF}" type="datetimeFigureOut">
               <a:rPr lang="en-US" smtClean="0"/>
-              <a:t>11/24/2016</a:t>
+              <a:t>11/25/2016</a:t>
             </a:fld>
             <a:endParaRPr lang="en-US"/>
           </a:p>
@@ -2626,7 +2533,7 @@
           <a:p>
             <a:fld id="{4BFC623A-4806-45FB-9E07-894B153158FF}" type="datetimeFigureOut">
               <a:rPr lang="en-US" smtClean="0"/>
-              <a:t>11/24/2016</a:t>
+              <a:t>11/25/2016</a:t>
             </a:fld>
             <a:endParaRPr lang="en-US"/>
           </a:p>
@@ -2857,7 +2764,7 @@
           <a:p>
             <a:fld id="{4BFC623A-4806-45FB-9E07-894B153158FF}" type="datetimeFigureOut">
               <a:rPr lang="en-US" smtClean="0"/>
-              <a:t>11/24/2016</a:t>
+              <a:t>11/25/2016</a:t>
             </a:fld>
             <a:endParaRPr lang="en-US"/>
           </a:p>
@@ -3260,126 +3167,143 @@
       </p:grpSpPr>
       <p:sp>
         <p:nvSpPr>
-          <p:cNvPr id="2" name="TextBox 1"/>
-          <p:cNvSpPr txBox="1"/>
-          <p:nvPr/>
+          <p:cNvPr id="2" name="Title 1"/>
+          <p:cNvSpPr>
+            <a:spLocks noGrp="1"/>
+          </p:cNvSpPr>
+          <p:nvPr>
+            <p:ph type="ctrTitle"/>
+          </p:nvPr>
         </p:nvSpPr>
         <p:spPr>
           <a:xfrm>
-            <a:off x="739036" y="613775"/>
-            <a:ext cx="10308920" cy="923330"/>
+            <a:off x="1524000" y="1853883"/>
+            <a:ext cx="9144000" cy="2387600"/>
+          </a:xfrm>
+        </p:spPr>
+        <p:txBody>
+          <a:bodyPr/>
+          <a:lstStyle/>
+          <a:p>
+            <a:r>
+              <a:rPr lang="en-US" dirty="0" smtClean="0">
+                <a:latin typeface="Segoe UI Light" panose="020B0502040204020203" pitchFamily="34" charset="0"/>
+                <a:cs typeface="Segoe UI Light" panose="020B0502040204020203" pitchFamily="34" charset="0"/>
+              </a:rPr>
+              <a:t>&lt;Contoso Bank Bot&gt;</a:t>
+            </a:r>
+            <a:endParaRPr lang="en-US" dirty="0">
+              <a:latin typeface="Segoe UI Light" panose="020B0502040204020203" pitchFamily="34" charset="0"/>
+              <a:cs typeface="Segoe UI Light" panose="020B0502040204020203" pitchFamily="34" charset="0"/>
+            </a:endParaRPr>
+          </a:p>
+        </p:txBody>
+      </p:sp>
+      <p:sp>
+        <p:nvSpPr>
+          <p:cNvPr id="3" name="Subtitle 2"/>
+          <p:cNvSpPr>
+            <a:spLocks noGrp="1"/>
+          </p:cNvSpPr>
+          <p:nvPr>
+            <p:ph type="subTitle" idx="1"/>
+          </p:nvPr>
+        </p:nvSpPr>
+        <p:spPr>
+          <a:xfrm>
+            <a:off x="1524000" y="4333558"/>
+            <a:ext cx="9144000" cy="1655762"/>
+          </a:xfrm>
+        </p:spPr>
+        <p:txBody>
+          <a:bodyPr/>
+          <a:lstStyle/>
+          <a:p>
+            <a:pPr algn="l"/>
+            <a:r>
+              <a:rPr lang="en-US" dirty="0" smtClean="0">
+                <a:latin typeface="Segoe UI Light" panose="020B0502040204020203" pitchFamily="34" charset="0"/>
+                <a:cs typeface="Segoe UI Light" panose="020B0502040204020203" pitchFamily="34" charset="0"/>
+              </a:rPr>
+              <a:t>&lt;</a:t>
+            </a:r>
+            <a:r>
+              <a:rPr lang="en-US" dirty="0" smtClean="0"/>
+              <a:t>Hotanya Ragtah</a:t>
+            </a:r>
+            <a:r>
+              <a:rPr lang="en-US" dirty="0" smtClean="0">
+                <a:latin typeface="Segoe UI Light" panose="020B0502040204020203" pitchFamily="34" charset="0"/>
+                <a:cs typeface="Segoe UI Light" panose="020B0502040204020203" pitchFamily="34" charset="0"/>
+              </a:rPr>
+              <a:t>&gt;</a:t>
+            </a:r>
+            <a:endParaRPr lang="en-US" dirty="0">
+              <a:latin typeface="Segoe UI Light" panose="020B0502040204020203" pitchFamily="34" charset="0"/>
+              <a:cs typeface="Segoe UI Light" panose="020B0502040204020203" pitchFamily="34" charset="0"/>
+            </a:endParaRPr>
+          </a:p>
+          <a:p>
+            <a:pPr algn="l"/>
+            <a:r>
+              <a:rPr lang="en-US" dirty="0" smtClean="0">
+                <a:latin typeface="Segoe UI Light" panose="020B0502040204020203" pitchFamily="34" charset="0"/>
+                <a:cs typeface="Segoe UI Light" panose="020B0502040204020203" pitchFamily="34" charset="0"/>
+              </a:rPr>
+              <a:t>&lt;</a:t>
+            </a:r>
+            <a:r>
+              <a:rPr lang="en-US" dirty="0" smtClean="0"/>
+              <a:t>hotanya_nz@hotmail.com</a:t>
+            </a:r>
+            <a:r>
+              <a:rPr lang="en-US" dirty="0" smtClean="0">
+                <a:latin typeface="Segoe UI Light" panose="020B0502040204020203" pitchFamily="34" charset="0"/>
+                <a:cs typeface="Segoe UI Light" panose="020B0502040204020203" pitchFamily="34" charset="0"/>
+              </a:rPr>
+              <a:t>&gt;</a:t>
+            </a:r>
+            <a:endParaRPr lang="en-US" dirty="0">
+              <a:latin typeface="Segoe UI Light" panose="020B0502040204020203" pitchFamily="34" charset="0"/>
+              <a:cs typeface="Segoe UI Light" panose="020B0502040204020203" pitchFamily="34" charset="0"/>
+            </a:endParaRPr>
+          </a:p>
+        </p:txBody>
+      </p:sp>
+      <p:pic>
+        <p:nvPicPr>
+          <p:cNvPr id="4" name="Picture 3"/>
+          <p:cNvPicPr>
+            <a:picLocks noChangeAspect="1"/>
+          </p:cNvPicPr>
+          <p:nvPr/>
+        </p:nvPicPr>
+        <p:blipFill>
+          <a:blip r:embed="rId3">
+            <a:extLst>
+              <a:ext uri="{28A0092B-C50C-407E-A947-70E740481C1C}">
+                <a14:useLocalDpi xmlns:a14="http://schemas.microsoft.com/office/drawing/2010/main" val="0"/>
+              </a:ext>
+            </a:extLst>
+          </a:blip>
+          <a:stretch>
+            <a:fillRect/>
+          </a:stretch>
+        </p:blipFill>
+        <p:spPr>
+          <a:xfrm>
+            <a:off x="4621530" y="202882"/>
+            <a:ext cx="2400300" cy="2428875"/>
           </a:xfrm>
           <a:prstGeom prst="rect">
             <a:avLst/>
           </a:prstGeom>
-          <a:noFill/>
         </p:spPr>
-        <p:txBody>
-          <a:bodyPr wrap="square" rtlCol="0">
-            <a:spAutoFit/>
-          </a:bodyPr>
-          <a:lstStyle/>
-          <a:p>
-            <a:r>
-              <a:rPr lang="en-NZ" dirty="0"/>
-              <a:t>Instructions:</a:t>
-            </a:r>
-          </a:p>
-          <a:p>
-            <a:endParaRPr lang="en-NZ" dirty="0"/>
-          </a:p>
-          <a:p>
-            <a:r>
-              <a:rPr lang="en-NZ" dirty="0"/>
-              <a:t>You may change these slides as you see fit. You may add or remove slides. </a:t>
-            </a:r>
-          </a:p>
-        </p:txBody>
-      </p:sp>
+      </p:pic>
     </p:spTree>
     <p:extLst>
       <p:ext uri="{BB962C8B-B14F-4D97-AF65-F5344CB8AC3E}">
-        <p14:creationId xmlns:p14="http://schemas.microsoft.com/office/powerpoint/2010/main" val="742754185"/>
-      </p:ext>
-    </p:extLst>
-  </p:cSld>
-  <p:clrMapOvr>
-    <a:masterClrMapping/>
-  </p:clrMapOvr>
-</p:sld>
-</file>
-
-<file path=ppt/slides/slide10.xml><?xml version="1.0" encoding="utf-8"?>
-<p:sld xmlns:a="http://schemas.openxmlformats.org/drawingml/2006/main" xmlns:r="http://schemas.openxmlformats.org/officeDocument/2006/relationships" xmlns:p="http://schemas.openxmlformats.org/presentationml/2006/main">
-  <p:cSld>
-    <p:spTree>
-      <p:nvGrpSpPr>
-        <p:cNvPr id="1" name=""/>
-        <p:cNvGrpSpPr/>
-        <p:nvPr/>
-      </p:nvGrpSpPr>
-      <p:grpSpPr>
-        <a:xfrm>
-          <a:off x="0" y="0"/>
-          <a:ext cx="0" cy="0"/>
-          <a:chOff x="0" y="0"/>
-          <a:chExt cx="0" cy="0"/>
-        </a:xfrm>
-      </p:grpSpPr>
-      <p:sp>
-        <p:nvSpPr>
-          <p:cNvPr id="2" name="Title 1"/>
-          <p:cNvSpPr>
-            <a:spLocks noGrp="1"/>
-          </p:cNvSpPr>
-          <p:nvPr>
-            <p:ph type="title"/>
-          </p:nvPr>
-        </p:nvSpPr>
-        <p:spPr/>
-        <p:txBody>
-          <a:bodyPr/>
-          <a:lstStyle/>
-          <a:p>
-            <a:r>
-              <a:rPr lang="en-US" dirty="0">
-                <a:latin typeface="Segoe UI Light" panose="020B0502040204020203" pitchFamily="34" charset="0"/>
-                <a:cs typeface="Segoe UI Light" panose="020B0502040204020203" pitchFamily="34" charset="0"/>
-              </a:rPr>
-              <a:t>Final Comments</a:t>
-            </a:r>
-          </a:p>
-        </p:txBody>
-      </p:sp>
-      <p:sp>
-        <p:nvSpPr>
-          <p:cNvPr id="3" name="Subtitle 2"/>
-          <p:cNvSpPr>
-            <a:spLocks noGrp="1"/>
-          </p:cNvSpPr>
-          <p:nvPr>
-            <p:ph idx="1"/>
-          </p:nvPr>
-        </p:nvSpPr>
-        <p:spPr/>
-        <p:txBody>
-          <a:bodyPr/>
-          <a:lstStyle/>
-          <a:p>
-            <a:pPr marL="0" indent="0">
-              <a:buNone/>
-            </a:pPr>
-            <a:endParaRPr lang="en-US" dirty="0">
-              <a:latin typeface="Segoe UI Light" panose="020B0502040204020203" pitchFamily="34" charset="0"/>
-              <a:cs typeface="Segoe UI Light" panose="020B0502040204020203" pitchFamily="34" charset="0"/>
-            </a:endParaRPr>
-          </a:p>
-        </p:txBody>
-      </p:sp>
-    </p:spTree>
-    <p:extLst>
-      <p:ext uri="{BB962C8B-B14F-4D97-AF65-F5344CB8AC3E}">
-        <p14:creationId xmlns:p14="http://schemas.microsoft.com/office/powerpoint/2010/main" val="1095715971"/>
+        <p14:creationId xmlns:p14="http://schemas.microsoft.com/office/powerpoint/2010/main" val="1666508604"/>
       </p:ext>
     </p:extLst>
   </p:cSld>
@@ -3413,7 +3337,7 @@
             <a:spLocks noGrp="1"/>
           </p:cNvSpPr>
           <p:nvPr>
-            <p:ph type="ctrTitle"/>
+            <p:ph type="title"/>
           </p:nvPr>
         </p:nvSpPr>
         <p:spPr/>
@@ -3426,44 +3350,55 @@
                 <a:latin typeface="Segoe UI Light" panose="020B0502040204020203" pitchFamily="34" charset="0"/>
                 <a:cs typeface="Segoe UI Light" panose="020B0502040204020203" pitchFamily="34" charset="0"/>
               </a:rPr>
-              <a:t>&lt;Name of Project&gt;</a:t>
-            </a:r>
-          </a:p>
-        </p:txBody>
-      </p:sp>
-      <p:sp>
-        <p:nvSpPr>
-          <p:cNvPr id="3" name="Subtitle 2"/>
-          <p:cNvSpPr>
-            <a:spLocks noGrp="1"/>
-          </p:cNvSpPr>
-          <p:nvPr>
-            <p:ph type="subTitle" idx="1"/>
-          </p:nvPr>
-        </p:nvSpPr>
-        <p:spPr/>
-        <p:txBody>
-          <a:bodyPr/>
-          <a:lstStyle/>
-          <a:p>
-            <a:pPr algn="l"/>
+              <a:t>A bit </a:t>
+            </a:r>
             <a:r>
               <a:rPr lang="en-US" dirty="0" smtClean="0">
                 <a:latin typeface="Segoe UI Light" panose="020B0502040204020203" pitchFamily="34" charset="0"/>
                 <a:cs typeface="Segoe UI Light" panose="020B0502040204020203" pitchFamily="34" charset="0"/>
               </a:rPr>
-              <a:t>&lt;</a:t>
-            </a:r>
-            <a:r>
-              <a:rPr lang="en-US" dirty="0" smtClean="0"/>
-              <a:t>Hotanya Ragtah</a:t>
+              <a:t>about me </a:t>
+            </a:r>
+            <a:r>
+              <a:rPr lang="en-US" dirty="0">
+                <a:latin typeface="Segoe UI Light" panose="020B0502040204020203" pitchFamily="34" charset="0"/>
+                <a:cs typeface="Segoe UI Light" panose="020B0502040204020203" pitchFamily="34" charset="0"/>
+                <a:sym typeface="Wingdings" panose="05000000000000000000" pitchFamily="2" charset="2"/>
+              </a:rPr>
+              <a:t> </a:t>
+            </a:r>
+            <a:endParaRPr lang="en-US" dirty="0">
+              <a:latin typeface="Segoe UI Light" panose="020B0502040204020203" pitchFamily="34" charset="0"/>
+              <a:cs typeface="Segoe UI Light" panose="020B0502040204020203" pitchFamily="34" charset="0"/>
+            </a:endParaRPr>
+          </a:p>
+        </p:txBody>
+      </p:sp>
+      <p:sp>
+        <p:nvSpPr>
+          <p:cNvPr id="3" name="Subtitle 2"/>
+          <p:cNvSpPr>
+            <a:spLocks noGrp="1"/>
+          </p:cNvSpPr>
+          <p:nvPr>
+            <p:ph idx="1"/>
+          </p:nvPr>
+        </p:nvSpPr>
+        <p:spPr/>
+        <p:txBody>
+          <a:bodyPr/>
+          <a:lstStyle/>
+          <a:p>
+            <a:r>
+              <a:rPr lang="en-US" dirty="0"/>
+              <a:t>P</a:t>
             </a:r>
             <a:r>
               <a:rPr lang="en-US" dirty="0" smtClean="0">
                 <a:latin typeface="Segoe UI Light" panose="020B0502040204020203" pitchFamily="34" charset="0"/>
                 <a:cs typeface="Segoe UI Light" panose="020B0502040204020203" pitchFamily="34" charset="0"/>
               </a:rPr>
-              <a:t>&gt;</a:t>
+              <a:t>rofessional bathroom singer and major book worm. I like to learn new things off the internet (e.g. magic tricks, breakdancing)  </a:t>
             </a:r>
             <a:endParaRPr lang="en-US" dirty="0">
               <a:latin typeface="Segoe UI Light" panose="020B0502040204020203" pitchFamily="34" charset="0"/>
@@ -3473,38 +3408,58 @@
           <a:p>
             <a:pPr algn="l"/>
             <a:r>
-              <a:rPr lang="en-US" dirty="0" smtClean="0">
-                <a:latin typeface="Segoe UI Light" panose="020B0502040204020203" pitchFamily="34" charset="0"/>
-                <a:cs typeface="Segoe UI Light" panose="020B0502040204020203" pitchFamily="34" charset="0"/>
-              </a:rPr>
-              <a:t>&lt;</a:t>
-            </a:r>
-            <a:r>
-              <a:rPr lang="en-US" dirty="0" smtClean="0"/>
-              <a:t>h</a:t>
-            </a:r>
-            <a:r>
-              <a:rPr lang="en-US" dirty="0" smtClean="0"/>
-              <a:t>otanya_nz@hotmail.com</a:t>
-            </a:r>
-            <a:r>
-              <a:rPr lang="en-US" dirty="0" smtClean="0">
-                <a:latin typeface="Segoe UI Light" panose="020B0502040204020203" pitchFamily="34" charset="0"/>
-                <a:cs typeface="Segoe UI Light" panose="020B0502040204020203" pitchFamily="34" charset="0"/>
-              </a:rPr>
-              <a:t>&gt;</a:t>
+              <a:rPr lang="en-NZ" dirty="0" smtClean="0"/>
+              <a:t>Bachelor of Computer and Information Science – IT Service Science and Network Security Majors at AUT </a:t>
             </a:r>
             <a:endParaRPr lang="en-US" dirty="0">
               <a:latin typeface="Segoe UI Light" panose="020B0502040204020203" pitchFamily="34" charset="0"/>
               <a:cs typeface="Segoe UI Light" panose="020B0502040204020203" pitchFamily="34" charset="0"/>
             </a:endParaRPr>
           </a:p>
+          <a:p>
+            <a:pPr algn="l"/>
+            <a:r>
+              <a:rPr lang="en-NZ" dirty="0" smtClean="0"/>
+              <a:t>Learning about new technology that we can put to use straight away to make some awesome things!</a:t>
+            </a:r>
+            <a:endParaRPr lang="en-US" dirty="0">
+              <a:latin typeface="Segoe UI Light" panose="020B0502040204020203" pitchFamily="34" charset="0"/>
+              <a:cs typeface="Segoe UI Light" panose="020B0502040204020203" pitchFamily="34" charset="0"/>
+            </a:endParaRPr>
+          </a:p>
+          <a:p>
+            <a:pPr algn="l"/>
+            <a:r>
+              <a:rPr lang="en-NZ" dirty="0" smtClean="0">
+                <a:latin typeface="Segoe UI Light" panose="020B0502040204020203" pitchFamily="34" charset="0"/>
+                <a:cs typeface="Segoe UI Light" panose="020B0502040204020203" pitchFamily="34" charset="0"/>
+              </a:rPr>
+              <a:t>Could have explained how to do things more</a:t>
+            </a:r>
+            <a:endParaRPr lang="en-US" dirty="0">
+              <a:latin typeface="Segoe UI Light" panose="020B0502040204020203" pitchFamily="34" charset="0"/>
+              <a:cs typeface="Segoe UI Light" panose="020B0502040204020203" pitchFamily="34" charset="0"/>
+            </a:endParaRPr>
+          </a:p>
+          <a:p>
+            <a:pPr algn="l"/>
+            <a:endParaRPr lang="en-NZ" dirty="0"/>
+          </a:p>
+          <a:p>
+            <a:pPr marL="0" indent="0" algn="l">
+              <a:buNone/>
+            </a:pPr>
+            <a:endParaRPr lang="en-US" dirty="0">
+              <a:latin typeface="Segoe UI Light" panose="020B0502040204020203" pitchFamily="34" charset="0"/>
+              <a:cs typeface="Segoe UI Light" panose="020B0502040204020203" pitchFamily="34" charset="0"/>
+            </a:endParaRPr>
+          </a:p>
         </p:txBody>
       </p:sp>
     </p:spTree>
     <p:extLst>
       <p:ext uri="{BB962C8B-B14F-4D97-AF65-F5344CB8AC3E}">
-        <p14:creationId xmlns:p14="http://schemas.microsoft.com/office/powerpoint/2010/main" val="1666508604"/>
+        <p14:creationId xmlns:p14="http://schemas.microsoft.com/office/powerpoint/2010/main" val="1386450005"/>
       </p:ext>
     </p:extLst>
   </p:cSld>
@@ -3551,154 +3506,60 @@
                 <a:latin typeface="Segoe UI Light" panose="020B0502040204020203" pitchFamily="34" charset="0"/>
                 <a:cs typeface="Segoe UI Light" panose="020B0502040204020203" pitchFamily="34" charset="0"/>
               </a:rPr>
-              <a:t>A bit about yourself </a:t>
-            </a:r>
-            <a:r>
-              <a:rPr lang="en-US" dirty="0">
-                <a:latin typeface="Segoe UI Light" panose="020B0502040204020203" pitchFamily="34" charset="0"/>
-                <a:cs typeface="Segoe UI Light" panose="020B0502040204020203" pitchFamily="34" charset="0"/>
-                <a:sym typeface="Wingdings" panose="05000000000000000000" pitchFamily="2" charset="2"/>
-              </a:rPr>
-              <a:t> </a:t>
+              <a:t>User Experience</a:t>
+            </a:r>
+          </a:p>
+        </p:txBody>
+      </p:sp>
+      <p:sp>
+        <p:nvSpPr>
+          <p:cNvPr id="3" name="Subtitle 2"/>
+          <p:cNvSpPr>
+            <a:spLocks noGrp="1"/>
+          </p:cNvSpPr>
+          <p:nvPr>
+            <p:ph idx="1"/>
+          </p:nvPr>
+        </p:nvSpPr>
+        <p:spPr/>
+        <p:txBody>
+          <a:bodyPr/>
+          <a:lstStyle/>
+          <a:p>
+            <a:r>
+              <a:rPr lang="en-NZ" dirty="0" smtClean="0"/>
+              <a:t>Used Cards to present API data is a fun way as well as providing users with a link to get more information about the data</a:t>
             </a:r>
             <a:endParaRPr lang="en-US" dirty="0">
               <a:latin typeface="Segoe UI Light" panose="020B0502040204020203" pitchFamily="34" charset="0"/>
               <a:cs typeface="Segoe UI Light" panose="020B0502040204020203" pitchFamily="34" charset="0"/>
             </a:endParaRPr>
           </a:p>
-        </p:txBody>
-      </p:sp>
-      <p:sp>
-        <p:nvSpPr>
-          <p:cNvPr id="3" name="Subtitle 2"/>
-          <p:cNvSpPr>
-            <a:spLocks noGrp="1"/>
-          </p:cNvSpPr>
-          <p:nvPr>
-            <p:ph idx="1"/>
-          </p:nvPr>
-        </p:nvSpPr>
-        <p:spPr/>
-        <p:txBody>
-          <a:bodyPr/>
-          <a:lstStyle/>
-          <a:p>
-            <a:r>
-              <a:rPr lang="en-US" dirty="0">
-                <a:latin typeface="Segoe UI Light" panose="020B0502040204020203" pitchFamily="34" charset="0"/>
-                <a:cs typeface="Segoe UI Light" panose="020B0502040204020203" pitchFamily="34" charset="0"/>
-              </a:rPr>
-              <a:t>What your interests / hobbies are</a:t>
-            </a:r>
-          </a:p>
-          <a:p>
-            <a:pPr algn="l"/>
-            <a:r>
-              <a:rPr lang="en-US" dirty="0">
-                <a:latin typeface="Segoe UI Light" panose="020B0502040204020203" pitchFamily="34" charset="0"/>
-                <a:cs typeface="Segoe UI Light" panose="020B0502040204020203" pitchFamily="34" charset="0"/>
-              </a:rPr>
-              <a:t>What you are studying</a:t>
-            </a:r>
-          </a:p>
-          <a:p>
-            <a:pPr algn="l"/>
-            <a:r>
-              <a:rPr lang="en-US" dirty="0">
-                <a:latin typeface="Segoe UI Light" panose="020B0502040204020203" pitchFamily="34" charset="0"/>
-                <a:cs typeface="Segoe UI Light" panose="020B0502040204020203" pitchFamily="34" charset="0"/>
-              </a:rPr>
-              <a:t>Best part of MSA</a:t>
-            </a:r>
-          </a:p>
-          <a:p>
-            <a:pPr algn="l"/>
-            <a:r>
-              <a:rPr lang="en-US" dirty="0">
-                <a:latin typeface="Segoe UI Light" panose="020B0502040204020203" pitchFamily="34" charset="0"/>
-                <a:cs typeface="Segoe UI Light" panose="020B0502040204020203" pitchFamily="34" charset="0"/>
-              </a:rPr>
-              <a:t>What we could improve</a:t>
-            </a:r>
-          </a:p>
-          <a:p>
-            <a:pPr algn="l"/>
-            <a:r>
-              <a:rPr lang="en-US" dirty="0">
-                <a:latin typeface="Segoe UI Light" panose="020B0502040204020203" pitchFamily="34" charset="0"/>
-                <a:cs typeface="Segoe UI Light" panose="020B0502040204020203" pitchFamily="34" charset="0"/>
-              </a:rPr>
-              <a:t>Future Goals</a:t>
-            </a:r>
-          </a:p>
-        </p:txBody>
-      </p:sp>
-      <p:sp>
-        <p:nvSpPr>
-          <p:cNvPr id="4" name="TextBox 3"/>
-          <p:cNvSpPr txBox="1"/>
-          <p:nvPr/>
-        </p:nvSpPr>
-        <p:spPr>
-          <a:xfrm>
-            <a:off x="2882900" y="6261100"/>
-            <a:ext cx="7213600" cy="646331"/>
-          </a:xfrm>
-          <a:prstGeom prst="rect">
-            <a:avLst/>
-          </a:prstGeom>
-          <a:noFill/>
-        </p:spPr>
-        <p:txBody>
-          <a:bodyPr wrap="square" rtlCol="0">
-            <a:spAutoFit/>
-          </a:bodyPr>
-          <a:lstStyle/>
-          <a:p>
-            <a:r>
-              <a:rPr lang="en-US" dirty="0">
-                <a:solidFill>
-                  <a:schemeClr val="bg1"/>
-                </a:solidFill>
-              </a:rPr>
-              <a:t>This section is NOT assessed. We just want to get to know</a:t>
-            </a:r>
-            <a:r>
-              <a:rPr lang="en-US" baseline="0" dirty="0">
-                <a:solidFill>
-                  <a:schemeClr val="bg1"/>
-                </a:solidFill>
-              </a:rPr>
-              <a:t> you </a:t>
-            </a:r>
-            <a:r>
-              <a:rPr lang="en-US" baseline="0" dirty="0">
-                <a:solidFill>
-                  <a:schemeClr val="bg1"/>
-                </a:solidFill>
-                <a:sym typeface="Wingdings" panose="05000000000000000000" pitchFamily="2" charset="2"/>
-              </a:rPr>
-              <a:t>.</a:t>
-            </a:r>
-            <a:endParaRPr lang="en-US" dirty="0">
-              <a:solidFill>
-                <a:schemeClr val="bg1"/>
-              </a:solidFill>
-            </a:endParaRPr>
-          </a:p>
-          <a:p>
-            <a:endParaRPr lang="en-US" dirty="0">
-              <a:solidFill>
-                <a:schemeClr val="bg1"/>
-              </a:solidFill>
-            </a:endParaRPr>
+          <a:p>
+            <a:endParaRPr lang="en-NZ" dirty="0"/>
+          </a:p>
+          <a:p>
+            <a:r>
+              <a:rPr lang="en-NZ" dirty="0" smtClean="0"/>
+              <a:t>Welcome message shows the bank’s logo</a:t>
+            </a:r>
+          </a:p>
+          <a:p>
+            <a:endParaRPr lang="en-NZ" dirty="0"/>
+          </a:p>
+          <a:p>
+            <a:r>
+              <a:rPr lang="en-NZ" dirty="0" smtClean="0"/>
+              <a:t>Prompts user to enter their specific password, and greets them accordingly</a:t>
+            </a:r>
+            <a:endParaRPr lang="en-NZ" dirty="0"/>
           </a:p>
         </p:txBody>
       </p:sp>
     </p:spTree>
     <p:extLst>
       <p:ext uri="{BB962C8B-B14F-4D97-AF65-F5344CB8AC3E}">
-        <p14:creationId xmlns:p14="http://schemas.microsoft.com/office/powerpoint/2010/main" val="1386450005"/>
+        <p14:creationId xmlns:p14="http://schemas.microsoft.com/office/powerpoint/2010/main" val="3387875208"/>
       </p:ext>
     </p:extLst>
   </p:cSld>
@@ -3741,52 +3602,8 @@
           <a:lstStyle/>
           <a:p>
             <a:r>
-              <a:rPr lang="en-US" dirty="0">
-                <a:latin typeface="Segoe UI Light" panose="020B0502040204020203" pitchFamily="34" charset="0"/>
-                <a:cs typeface="Segoe UI Light" panose="020B0502040204020203" pitchFamily="34" charset="0"/>
-              </a:rPr>
-              <a:t>User Experience</a:t>
-            </a:r>
-          </a:p>
-        </p:txBody>
-      </p:sp>
-      <p:sp>
-        <p:nvSpPr>
-          <p:cNvPr id="3" name="Subtitle 2"/>
-          <p:cNvSpPr>
-            <a:spLocks noGrp="1"/>
-          </p:cNvSpPr>
-          <p:nvPr>
-            <p:ph idx="1"/>
-          </p:nvPr>
-        </p:nvSpPr>
-        <p:spPr/>
-        <p:txBody>
-          <a:bodyPr/>
-          <a:lstStyle/>
-          <a:p>
-            <a:r>
-              <a:rPr lang="en-US" dirty="0">
-                <a:latin typeface="Segoe UI Light" panose="020B0502040204020203" pitchFamily="34" charset="0"/>
-                <a:cs typeface="Segoe UI Light" panose="020B0502040204020203" pitchFamily="34" charset="0"/>
-              </a:rPr>
-              <a:t>What you did and why you did it</a:t>
-            </a:r>
-          </a:p>
-          <a:p>
-            <a:r>
-              <a:rPr lang="en-US" dirty="0">
-                <a:latin typeface="Segoe UI Light" panose="020B0502040204020203" pitchFamily="34" charset="0"/>
-                <a:cs typeface="Segoe UI Light" panose="020B0502040204020203" pitchFamily="34" charset="0"/>
-              </a:rPr>
-              <a:t>Branding, </a:t>
-            </a:r>
-            <a:r>
-              <a:rPr lang="en-US" dirty="0" err="1">
-                <a:latin typeface="Segoe UI Light" panose="020B0502040204020203" pitchFamily="34" charset="0"/>
-                <a:cs typeface="Segoe UI Light" panose="020B0502040204020203" pitchFamily="34" charset="0"/>
-              </a:rPr>
-              <a:t>etc</a:t>
+              <a:rPr lang="en-US" dirty="0"/>
+              <a:t>Databases</a:t>
             </a:r>
             <a:endParaRPr lang="en-US" dirty="0">
               <a:latin typeface="Segoe UI Light" panose="020B0502040204020203" pitchFamily="34" charset="0"/>
@@ -3795,10 +3612,155 @@
           </a:p>
         </p:txBody>
       </p:sp>
+      <p:sp>
+        <p:nvSpPr>
+          <p:cNvPr id="3" name="Subtitle 2"/>
+          <p:cNvSpPr>
+            <a:spLocks noGrp="1"/>
+          </p:cNvSpPr>
+          <p:nvPr>
+            <p:ph idx="1"/>
+          </p:nvPr>
+        </p:nvSpPr>
+        <p:spPr/>
+        <p:txBody>
+          <a:bodyPr/>
+          <a:lstStyle/>
+          <a:p>
+            <a:r>
+              <a:rPr lang="en-US" dirty="0" smtClean="0">
+                <a:latin typeface="Segoe UI Light" panose="020B0502040204020203" pitchFamily="34" charset="0"/>
+                <a:cs typeface="Segoe UI Light" panose="020B0502040204020203" pitchFamily="34" charset="0"/>
+              </a:rPr>
+              <a:t>For my database I used the Easy Tables functionality in Azure. </a:t>
+            </a:r>
+          </a:p>
+          <a:p>
+            <a:pPr marL="0" indent="0">
+              <a:buNone/>
+            </a:pPr>
+            <a:endParaRPr lang="en-NZ" dirty="0" smtClean="0"/>
+          </a:p>
+          <a:p>
+            <a:r>
+              <a:rPr lang="en-NZ" dirty="0" smtClean="0"/>
+              <a:t>The scheme has the following columns; Id, </a:t>
+            </a:r>
+            <a:r>
+              <a:rPr lang="en-NZ" dirty="0" err="1" smtClean="0"/>
+              <a:t>firstName</a:t>
+            </a:r>
+            <a:r>
+              <a:rPr lang="en-NZ" dirty="0" smtClean="0"/>
+              <a:t>, </a:t>
+            </a:r>
+            <a:r>
+              <a:rPr lang="en-NZ" dirty="0" err="1" smtClean="0"/>
+              <a:t>lastName</a:t>
+            </a:r>
+            <a:r>
+              <a:rPr lang="en-NZ" dirty="0" smtClean="0"/>
+              <a:t>, </a:t>
+            </a:r>
+            <a:r>
+              <a:rPr lang="en-NZ" dirty="0" err="1" smtClean="0"/>
+              <a:t>emailAddress</a:t>
+            </a:r>
+            <a:r>
+              <a:rPr lang="en-NZ" dirty="0" smtClean="0"/>
+              <a:t>, version, </a:t>
+            </a:r>
+            <a:r>
+              <a:rPr lang="en-NZ" dirty="0" err="1" smtClean="0"/>
+              <a:t>createdAt</a:t>
+            </a:r>
+            <a:r>
+              <a:rPr lang="en-NZ" dirty="0" smtClean="0"/>
+              <a:t>, </a:t>
+            </a:r>
+            <a:r>
+              <a:rPr lang="en-NZ" dirty="0" err="1" smtClean="0"/>
+              <a:t>updatedAt</a:t>
+            </a:r>
+            <a:r>
+              <a:rPr lang="en-NZ" dirty="0" smtClean="0"/>
+              <a:t>, deleted, </a:t>
+            </a:r>
+            <a:r>
+              <a:rPr lang="en-NZ" dirty="0" err="1" smtClean="0"/>
+              <a:t>dateOfBirth</a:t>
+            </a:r>
+            <a:r>
+              <a:rPr lang="en-NZ" dirty="0" smtClean="0"/>
+              <a:t>, </a:t>
+            </a:r>
+            <a:r>
+              <a:rPr lang="en-NZ" dirty="0" err="1" smtClean="0"/>
+              <a:t>mobileNumber</a:t>
+            </a:r>
+            <a:r>
+              <a:rPr lang="en-NZ" dirty="0" smtClean="0"/>
+              <a:t> and </a:t>
+            </a:r>
+            <a:r>
+              <a:rPr lang="en-NZ" dirty="0" err="1" smtClean="0"/>
+              <a:t>accountType</a:t>
+            </a:r>
+            <a:endParaRPr lang="en-NZ" dirty="0" smtClean="0"/>
+          </a:p>
+          <a:p>
+            <a:pPr marL="0" indent="0">
+              <a:buNone/>
+            </a:pPr>
+            <a:endParaRPr lang="en-NZ" dirty="0">
+              <a:latin typeface="Segoe UI Light" panose="020B0502040204020203" pitchFamily="34" charset="0"/>
+              <a:cs typeface="Segoe UI Light" panose="020B0502040204020203" pitchFamily="34" charset="0"/>
+            </a:endParaRPr>
+          </a:p>
+          <a:p>
+            <a:r>
+              <a:rPr lang="en-NZ" dirty="0" smtClean="0"/>
+              <a:t>The data I used is the customer information, Id, </a:t>
+            </a:r>
+            <a:r>
+              <a:rPr lang="en-NZ" dirty="0" err="1" smtClean="0"/>
+              <a:t>firstName</a:t>
+            </a:r>
+            <a:r>
+              <a:rPr lang="en-NZ" dirty="0" smtClean="0"/>
+              <a:t>, </a:t>
+            </a:r>
+            <a:r>
+              <a:rPr lang="en-NZ" dirty="0" err="1" smtClean="0"/>
+              <a:t>lastName</a:t>
+            </a:r>
+            <a:r>
+              <a:rPr lang="en-NZ" dirty="0" smtClean="0"/>
+              <a:t>, </a:t>
+            </a:r>
+            <a:r>
+              <a:rPr lang="en-NZ" dirty="0" err="1" smtClean="0"/>
+              <a:t>dateOfBirth</a:t>
+            </a:r>
+            <a:r>
+              <a:rPr lang="en-NZ" dirty="0" smtClean="0"/>
+              <a:t> and </a:t>
+            </a:r>
+            <a:r>
+              <a:rPr lang="en-NZ" dirty="0" err="1" smtClean="0"/>
+              <a:t>accountType</a:t>
+            </a:r>
+            <a:endParaRPr lang="en-US" dirty="0">
+              <a:latin typeface="Segoe UI Light" panose="020B0502040204020203" pitchFamily="34" charset="0"/>
+              <a:cs typeface="Segoe UI Light" panose="020B0502040204020203" pitchFamily="34" charset="0"/>
+            </a:endParaRPr>
+          </a:p>
+        </p:txBody>
+      </p:sp>
     </p:spTree>
     <p:extLst>
       <p:ext uri="{BB962C8B-B14F-4D97-AF65-F5344CB8AC3E}">
-        <p14:creationId xmlns:p14="http://schemas.microsoft.com/office/powerpoint/2010/main" val="3387875208"/>
+        <p14:creationId xmlns:p14="http://schemas.microsoft.com/office/powerpoint/2010/main" val="2098138885"/>
       </p:ext>
     </p:extLst>
   </p:cSld>
@@ -3842,7 +3804,7 @@
           <a:p>
             <a:r>
               <a:rPr lang="en-US" dirty="0"/>
-              <a:t>Databases</a:t>
+              <a:t>API</a:t>
             </a:r>
             <a:endParaRPr lang="en-US" dirty="0">
               <a:latin typeface="Segoe UI Light" panose="020B0502040204020203" pitchFamily="34" charset="0"/>
@@ -3866,37 +3828,56 @@
           <a:bodyPr/>
           <a:lstStyle/>
           <a:p>
+            <a:r>
+              <a:rPr lang="en-US" dirty="0" smtClean="0">
+                <a:latin typeface="Segoe UI Light" panose="020B0502040204020203" pitchFamily="34" charset="0"/>
+                <a:cs typeface="Segoe UI Light" panose="020B0502040204020203" pitchFamily="34" charset="0"/>
+              </a:rPr>
+              <a:t>The API I used was a currency conversion API, Fixer.io. </a:t>
+            </a:r>
+          </a:p>
+          <a:p>
+            <a:endParaRPr lang="en-NZ" dirty="0"/>
+          </a:p>
+          <a:p>
+            <a:r>
+              <a:rPr lang="en-NZ" dirty="0" smtClean="0"/>
+              <a:t>The user types in the currency code which they want to convert (to NZD) and the bot displays it.</a:t>
+            </a:r>
+          </a:p>
+          <a:p>
             <a:pPr marL="0" indent="0">
               <a:buNone/>
             </a:pPr>
-            <a:r>
-              <a:rPr lang="en-US" dirty="0">
+            <a:endParaRPr lang="en-NZ" dirty="0"/>
+          </a:p>
+          <a:p>
+            <a:r>
+              <a:rPr lang="en-NZ" dirty="0" smtClean="0">
                 <a:latin typeface="Segoe UI Light" panose="020B0502040204020203" pitchFamily="34" charset="0"/>
                 <a:cs typeface="Segoe UI Light" panose="020B0502040204020203" pitchFamily="34" charset="0"/>
               </a:rPr>
-              <a:t>- Your Schema, </a:t>
-            </a:r>
-            <a:r>
-              <a:rPr lang="en-US" dirty="0" err="1">
-                <a:latin typeface="Segoe UI Light" panose="020B0502040204020203" pitchFamily="34" charset="0"/>
-                <a:cs typeface="Segoe UI Light" panose="020B0502040204020203" pitchFamily="34" charset="0"/>
-              </a:rPr>
-              <a:t>EasyTables</a:t>
-            </a:r>
-            <a:r>
-              <a:rPr lang="en-US" dirty="0">
-                <a:latin typeface="Segoe UI Light" panose="020B0502040204020203" pitchFamily="34" charset="0"/>
-                <a:cs typeface="Segoe UI Light" panose="020B0502040204020203" pitchFamily="34" charset="0"/>
-              </a:rPr>
-              <a:t>, </a:t>
-            </a:r>
-            <a:r>
-              <a:rPr lang="en-US" dirty="0" err="1">
-                <a:latin typeface="Segoe UI Light" panose="020B0502040204020203" pitchFamily="34" charset="0"/>
-                <a:cs typeface="Segoe UI Light" panose="020B0502040204020203" pitchFamily="34" charset="0"/>
-              </a:rPr>
-              <a:t>etc</a:t>
-            </a:r>
+              <a:t>Useful for bank when dealing with </a:t>
+            </a:r>
+            <a:r>
+              <a:rPr lang="en-NZ" dirty="0" smtClean="0"/>
+              <a:t>foreign customers and currencies</a:t>
+            </a:r>
+            <a:endParaRPr lang="en-US" dirty="0" smtClean="0">
+              <a:latin typeface="Segoe UI Light" panose="020B0502040204020203" pitchFamily="34" charset="0"/>
+              <a:cs typeface="Segoe UI Light" panose="020B0502040204020203" pitchFamily="34" charset="0"/>
+            </a:endParaRPr>
+          </a:p>
+          <a:p>
+            <a:pPr marL="0" indent="0">
+              <a:buNone/>
+            </a:pPr>
+            <a:endParaRPr lang="en-NZ" dirty="0"/>
+          </a:p>
+          <a:p>
+            <a:pPr marL="0" indent="0">
+              <a:buNone/>
+            </a:pPr>
             <a:endParaRPr lang="en-US" dirty="0">
               <a:latin typeface="Segoe UI Light" panose="020B0502040204020203" pitchFamily="34" charset="0"/>
               <a:cs typeface="Segoe UI Light" panose="020B0502040204020203" pitchFamily="34" charset="0"/>
@@ -3907,7 +3888,7 @@
     </p:spTree>
     <p:extLst>
       <p:ext uri="{BB962C8B-B14F-4D97-AF65-F5344CB8AC3E}">
-        <p14:creationId xmlns:p14="http://schemas.microsoft.com/office/powerpoint/2010/main" val="2098138885"/>
+        <p14:creationId xmlns:p14="http://schemas.microsoft.com/office/powerpoint/2010/main" val="276898515"/>
       </p:ext>
     </p:extLst>
   </p:cSld>
@@ -3950,8 +3931,54 @@
           <a:lstStyle/>
           <a:p>
             <a:r>
-              <a:rPr lang="en-US" dirty="0"/>
-              <a:t>API</a:t>
+              <a:rPr lang="en-US" dirty="0">
+                <a:latin typeface="Segoe UI Light" panose="020B0502040204020203" pitchFamily="34" charset="0"/>
+                <a:cs typeface="Segoe UI Light" panose="020B0502040204020203" pitchFamily="34" charset="0"/>
+              </a:rPr>
+              <a:t>Azure Setup</a:t>
+            </a:r>
+          </a:p>
+        </p:txBody>
+      </p:sp>
+      <p:sp>
+        <p:nvSpPr>
+          <p:cNvPr id="3" name="Subtitle 2"/>
+          <p:cNvSpPr>
+            <a:spLocks noGrp="1"/>
+          </p:cNvSpPr>
+          <p:nvPr>
+            <p:ph idx="1"/>
+          </p:nvPr>
+        </p:nvSpPr>
+        <p:spPr/>
+        <p:txBody>
+          <a:bodyPr/>
+          <a:lstStyle/>
+          <a:p>
+            <a:r>
+              <a:rPr lang="en-NZ" dirty="0" smtClean="0"/>
+              <a:t>Published Bot as a Web-App to Azure</a:t>
+            </a:r>
+          </a:p>
+          <a:p>
+            <a:r>
+              <a:rPr lang="en-NZ" dirty="0" smtClean="0"/>
+              <a:t>Created a new Mobile App and linked GitHub for continuous deployment</a:t>
+            </a:r>
+          </a:p>
+          <a:p>
+            <a:r>
+              <a:rPr lang="en-NZ" dirty="0" smtClean="0"/>
+              <a:t>Created a Server and Database and linked the Web-App and Mobile App to the Database. </a:t>
+            </a:r>
+          </a:p>
+          <a:p>
+            <a:r>
+              <a:rPr lang="en-NZ" dirty="0" smtClean="0">
+                <a:latin typeface="Segoe UI Light" panose="020B0502040204020203" pitchFamily="34" charset="0"/>
+                <a:cs typeface="Segoe UI Light" panose="020B0502040204020203" pitchFamily="34" charset="0"/>
+              </a:rPr>
+              <a:t>With the data connection established, used Easy Tables for the database functions.</a:t>
             </a:r>
             <a:endParaRPr lang="en-US" dirty="0">
               <a:latin typeface="Segoe UI Light" panose="020B0502040204020203" pitchFamily="34" charset="0"/>
@@ -3960,38 +3987,10 @@
           </a:p>
         </p:txBody>
       </p:sp>
-      <p:sp>
-        <p:nvSpPr>
-          <p:cNvPr id="3" name="Subtitle 2"/>
-          <p:cNvSpPr>
-            <a:spLocks noGrp="1"/>
-          </p:cNvSpPr>
-          <p:nvPr>
-            <p:ph idx="1"/>
-          </p:nvPr>
-        </p:nvSpPr>
-        <p:spPr/>
-        <p:txBody>
-          <a:bodyPr/>
-          <a:lstStyle/>
-          <a:p>
-            <a:pPr marL="0" indent="0">
-              <a:buNone/>
-            </a:pPr>
-            <a:r>
-              <a:rPr lang="en-US" dirty="0">
-                <a:latin typeface="Segoe UI Light" panose="020B0502040204020203" pitchFamily="34" charset="0"/>
-                <a:cs typeface="Segoe UI Light" panose="020B0502040204020203" pitchFamily="34" charset="0"/>
-              </a:rPr>
-              <a:t>What API you used and why. How it integrates with your app</a:t>
-            </a:r>
-          </a:p>
-        </p:txBody>
-      </p:sp>
     </p:spTree>
     <p:extLst>
       <p:ext uri="{BB962C8B-B14F-4D97-AF65-F5344CB8AC3E}">
-        <p14:creationId xmlns:p14="http://schemas.microsoft.com/office/powerpoint/2010/main" val="276898515"/>
+        <p14:creationId xmlns:p14="http://schemas.microsoft.com/office/powerpoint/2010/main" val="735530574"/>
       </p:ext>
     </p:extLst>
   </p:cSld>
@@ -4038,7 +4037,7 @@
                 <a:latin typeface="Segoe UI Light" panose="020B0502040204020203" pitchFamily="34" charset="0"/>
                 <a:cs typeface="Segoe UI Light" panose="020B0502040204020203" pitchFamily="34" charset="0"/>
               </a:rPr>
-              <a:t>Azure Setup</a:t>
+              <a:t>Advanced Considerations</a:t>
             </a:r>
           </a:p>
         </p:txBody>
@@ -4058,20 +4057,62 @@
           <a:bodyPr/>
           <a:lstStyle/>
           <a:p>
-            <a:pPr marL="0" indent="0">
-              <a:buNone/>
-            </a:pPr>
-            <a:endParaRPr lang="en-US" dirty="0">
+            <a:r>
+              <a:rPr lang="en-NZ" dirty="0" smtClean="0">
+                <a:latin typeface="Segoe UI Light" panose="020B0502040204020203" pitchFamily="34" charset="0"/>
+                <a:cs typeface="Segoe UI Light" panose="020B0502040204020203" pitchFamily="34" charset="0"/>
+              </a:rPr>
+              <a:t>The Contoso Bank Logo matches their branding elsewhere and makes everything consistent </a:t>
+            </a:r>
+          </a:p>
+          <a:p>
+            <a:endParaRPr lang="en-NZ" dirty="0" smtClean="0">
               <a:latin typeface="Segoe UI Light" panose="020B0502040204020203" pitchFamily="34" charset="0"/>
               <a:cs typeface="Segoe UI Light" panose="020B0502040204020203" pitchFamily="34" charset="0"/>
             </a:endParaRPr>
           </a:p>
+          <a:p>
+            <a:r>
+              <a:rPr lang="en-NZ" dirty="0" smtClean="0">
+                <a:latin typeface="Segoe UI Light" panose="020B0502040204020203" pitchFamily="34" charset="0"/>
+                <a:cs typeface="Segoe UI Light" panose="020B0502040204020203" pitchFamily="34" charset="0"/>
+              </a:rPr>
+              <a:t>The functions of the bot help the employees and reduces chances of error:</a:t>
+            </a:r>
+          </a:p>
+          <a:p>
+            <a:pPr lvl="1"/>
+            <a:endParaRPr lang="en-NZ" dirty="0"/>
+          </a:p>
+          <a:p>
+            <a:pPr lvl="1"/>
+            <a:r>
+              <a:rPr lang="en-NZ" dirty="0" smtClean="0">
+                <a:latin typeface="Segoe UI Light" panose="020B0502040204020203" pitchFamily="34" charset="0"/>
+                <a:cs typeface="Segoe UI Light" panose="020B0502040204020203" pitchFamily="34" charset="0"/>
+              </a:rPr>
+              <a:t>The convert function saves them time as all they have to do is put in currency code</a:t>
+            </a:r>
+          </a:p>
+          <a:p>
+            <a:pPr lvl="1"/>
+            <a:r>
+              <a:rPr lang="en-NZ" dirty="0" smtClean="0"/>
+              <a:t>Simple UI to add data – easier for non-technical people to add data</a:t>
+            </a:r>
+          </a:p>
+          <a:p>
+            <a:pPr marL="457200" lvl="1" indent="0">
+              <a:buNone/>
+            </a:pPr>
+            <a:endParaRPr lang="en-NZ" dirty="0" smtClean="0"/>
+          </a:p>
         </p:txBody>
       </p:sp>
     </p:spTree>
     <p:extLst>
       <p:ext uri="{BB962C8B-B14F-4D97-AF65-F5344CB8AC3E}">
-        <p14:creationId xmlns:p14="http://schemas.microsoft.com/office/powerpoint/2010/main" val="735530574"/>
+        <p14:creationId xmlns:p14="http://schemas.microsoft.com/office/powerpoint/2010/main" val="2870665585"/>
       </p:ext>
     </p:extLst>
   </p:cSld>
@@ -4118,7 +4159,7 @@
                 <a:latin typeface="Segoe UI Light" panose="020B0502040204020203" pitchFamily="34" charset="0"/>
                 <a:cs typeface="Segoe UI Light" panose="020B0502040204020203" pitchFamily="34" charset="0"/>
               </a:rPr>
-              <a:t>Advanced Features</a:t>
+              <a:t>Final Comments</a:t>
             </a:r>
           </a:p>
         </p:txBody>
@@ -4138,9 +4179,13 @@
           <a:bodyPr/>
           <a:lstStyle/>
           <a:p>
-            <a:pPr marL="0" indent="0">
-              <a:buNone/>
-            </a:pPr>
+            <a:r>
+              <a:rPr lang="en-NZ" dirty="0" smtClean="0">
+                <a:latin typeface="Segoe UI Light" panose="020B0502040204020203" pitchFamily="34" charset="0"/>
+                <a:cs typeface="Segoe UI Light" panose="020B0502040204020203" pitchFamily="34" charset="0"/>
+              </a:rPr>
+              <a:t>Bear in mind, this is still a PROTOTYPE showing the functionalities that are wanted in the bot</a:t>
+            </a:r>
             <a:endParaRPr lang="en-US" dirty="0">
               <a:latin typeface="Segoe UI Light" panose="020B0502040204020203" pitchFamily="34" charset="0"/>
               <a:cs typeface="Segoe UI Light" panose="020B0502040204020203" pitchFamily="34" charset="0"/>
@@ -4151,7 +4196,7 @@
     </p:spTree>
     <p:extLst>
       <p:ext uri="{BB962C8B-B14F-4D97-AF65-F5344CB8AC3E}">
-        <p14:creationId xmlns:p14="http://schemas.microsoft.com/office/powerpoint/2010/main" val="572045017"/>
+        <p14:creationId xmlns:p14="http://schemas.microsoft.com/office/powerpoint/2010/main" val="1095715971"/>
       </p:ext>
     </p:extLst>
   </p:cSld>
@@ -4193,19 +4238,13 @@
           <a:bodyPr/>
           <a:lstStyle/>
           <a:p>
-            <a:r>
-              <a:rPr lang="en-US" dirty="0">
-                <a:latin typeface="Segoe UI Light" panose="020B0502040204020203" pitchFamily="34" charset="0"/>
-                <a:cs typeface="Segoe UI Light" panose="020B0502040204020203" pitchFamily="34" charset="0"/>
-              </a:rPr>
-              <a:t>Advanced Considerations</a:t>
-            </a:r>
-          </a:p>
-        </p:txBody>
-      </p:sp>
-      <p:sp>
-        <p:nvSpPr>
-          <p:cNvPr id="3" name="Subtitle 2"/>
+            <a:endParaRPr lang="en-US"/>
+          </a:p>
+        </p:txBody>
+      </p:sp>
+      <p:sp>
+        <p:nvSpPr>
+          <p:cNvPr id="3" name="Content Placeholder 2"/>
           <p:cNvSpPr>
             <a:spLocks noGrp="1"/>
           </p:cNvSpPr>
@@ -4217,21 +4256,42 @@
         <p:txBody>
           <a:bodyPr/>
           <a:lstStyle/>
+          <a:p>
+            <a:endParaRPr lang="en-NZ" dirty="0" smtClean="0"/>
+          </a:p>
+          <a:p>
+            <a:endParaRPr lang="en-NZ" dirty="0"/>
+          </a:p>
           <a:p>
             <a:pPr marL="0" indent="0">
               <a:buNone/>
             </a:pPr>
-            <a:endParaRPr lang="en-US" dirty="0">
-              <a:latin typeface="Segoe UI Light" panose="020B0502040204020203" pitchFamily="34" charset="0"/>
-              <a:cs typeface="Segoe UI Light" panose="020B0502040204020203" pitchFamily="34" charset="0"/>
-            </a:endParaRPr>
+            <a:r>
+              <a:rPr lang="en-NZ" dirty="0"/>
+              <a:t>	</a:t>
+            </a:r>
+            <a:r>
+              <a:rPr lang="en-NZ" dirty="0" smtClean="0"/>
+              <a:t>			</a:t>
+            </a:r>
+            <a:r>
+              <a:rPr lang="en-NZ" sz="4000" dirty="0" smtClean="0"/>
+              <a:t>Thank you </a:t>
+            </a:r>
+            <a:r>
+              <a:rPr lang="en-NZ" sz="4000" dirty="0" smtClean="0">
+                <a:sym typeface="Wingdings" panose="05000000000000000000" pitchFamily="2" charset="2"/>
+              </a:rPr>
+              <a:t></a:t>
+            </a:r>
+            <a:endParaRPr lang="en-US" sz="4000" dirty="0"/>
           </a:p>
         </p:txBody>
       </p:sp>
     </p:spTree>
     <p:extLst>
       <p:ext uri="{BB962C8B-B14F-4D97-AF65-F5344CB8AC3E}">
-        <p14:creationId xmlns:p14="http://schemas.microsoft.com/office/powerpoint/2010/main" val="2870665585"/>
+        <p14:creationId xmlns:p14="http://schemas.microsoft.com/office/powerpoint/2010/main" val="2328625296"/>
       </p:ext>
     </p:extLst>
   </p:cSld>
